--- a/Фронт-бэк презентация.pptx
+++ b/Фронт-бэк презентация.pptx
@@ -9,9 +9,11 @@
     <p:sldId id="257" r:id="rId3"/>
     <p:sldId id="258" r:id="rId4"/>
     <p:sldId id="259" r:id="rId5"/>
-    <p:sldId id="260" r:id="rId6"/>
-    <p:sldId id="261" r:id="rId7"/>
-    <p:sldId id="262" r:id="rId8"/>
+    <p:sldId id="263" r:id="rId6"/>
+    <p:sldId id="264" r:id="rId7"/>
+    <p:sldId id="260" r:id="rId8"/>
+    <p:sldId id="261" r:id="rId9"/>
+    <p:sldId id="262" r:id="rId10"/>
   </p:sldIdLst>
   <p:sldSz cx="12192000" cy="6858000"/>
   <p:notesSz cx="6858000" cy="9144000"/>
@@ -110,6 +112,11 @@
       </a:defRPr>
     </a:lvl9pPr>
   </p:defaultTextStyle>
+  <p:extLst>
+    <p:ext uri="{EFAFB233-063F-42B5-8137-9DF3F51BA10A}">
+      <p15:sldGuideLst xmlns:p15="http://schemas.microsoft.com/office/powerpoint/2012/main"/>
+    </p:ext>
+  </p:extLst>
 </p:presentation>
 </file>
 
@@ -260,7 +267,7 @@
           <a:p>
             <a:fld id="{C1755DC2-9895-4DF2-B144-0569F6FAE9C4}" type="datetimeFigureOut">
               <a:rPr lang="ru-RU" smtClean="0"/>
-              <a:t>22.12.2023</a:t>
+              <a:t>04.06.2024</a:t>
             </a:fld>
             <a:endParaRPr lang="ru-RU"/>
           </a:p>
@@ -458,7 +465,7 @@
           <a:p>
             <a:fld id="{C1755DC2-9895-4DF2-B144-0569F6FAE9C4}" type="datetimeFigureOut">
               <a:rPr lang="ru-RU" smtClean="0"/>
-              <a:t>22.12.2023</a:t>
+              <a:t>04.06.2024</a:t>
             </a:fld>
             <a:endParaRPr lang="ru-RU"/>
           </a:p>
@@ -666,7 +673,7 @@
           <a:p>
             <a:fld id="{C1755DC2-9895-4DF2-B144-0569F6FAE9C4}" type="datetimeFigureOut">
               <a:rPr lang="ru-RU" smtClean="0"/>
-              <a:t>22.12.2023</a:t>
+              <a:t>04.06.2024</a:t>
             </a:fld>
             <a:endParaRPr lang="ru-RU"/>
           </a:p>
@@ -864,7 +871,7 @@
           <a:p>
             <a:fld id="{C1755DC2-9895-4DF2-B144-0569F6FAE9C4}" type="datetimeFigureOut">
               <a:rPr lang="ru-RU" smtClean="0"/>
-              <a:t>22.12.2023</a:t>
+              <a:t>04.06.2024</a:t>
             </a:fld>
             <a:endParaRPr lang="ru-RU"/>
           </a:p>
@@ -1139,7 +1146,7 @@
           <a:p>
             <a:fld id="{C1755DC2-9895-4DF2-B144-0569F6FAE9C4}" type="datetimeFigureOut">
               <a:rPr lang="ru-RU" smtClean="0"/>
-              <a:t>22.12.2023</a:t>
+              <a:t>04.06.2024</a:t>
             </a:fld>
             <a:endParaRPr lang="ru-RU"/>
           </a:p>
@@ -1404,7 +1411,7 @@
           <a:p>
             <a:fld id="{C1755DC2-9895-4DF2-B144-0569F6FAE9C4}" type="datetimeFigureOut">
               <a:rPr lang="ru-RU" smtClean="0"/>
-              <a:t>22.12.2023</a:t>
+              <a:t>04.06.2024</a:t>
             </a:fld>
             <a:endParaRPr lang="ru-RU"/>
           </a:p>
@@ -1816,7 +1823,7 @@
           <a:p>
             <a:fld id="{C1755DC2-9895-4DF2-B144-0569F6FAE9C4}" type="datetimeFigureOut">
               <a:rPr lang="ru-RU" smtClean="0"/>
-              <a:t>22.12.2023</a:t>
+              <a:t>04.06.2024</a:t>
             </a:fld>
             <a:endParaRPr lang="ru-RU"/>
           </a:p>
@@ -1957,7 +1964,7 @@
           <a:p>
             <a:fld id="{C1755DC2-9895-4DF2-B144-0569F6FAE9C4}" type="datetimeFigureOut">
               <a:rPr lang="ru-RU" smtClean="0"/>
-              <a:t>22.12.2023</a:t>
+              <a:t>04.06.2024</a:t>
             </a:fld>
             <a:endParaRPr lang="ru-RU"/>
           </a:p>
@@ -2070,7 +2077,7 @@
           <a:p>
             <a:fld id="{C1755DC2-9895-4DF2-B144-0569F6FAE9C4}" type="datetimeFigureOut">
               <a:rPr lang="ru-RU" smtClean="0"/>
-              <a:t>22.12.2023</a:t>
+              <a:t>04.06.2024</a:t>
             </a:fld>
             <a:endParaRPr lang="ru-RU"/>
           </a:p>
@@ -2381,7 +2388,7 @@
           <a:p>
             <a:fld id="{C1755DC2-9895-4DF2-B144-0569F6FAE9C4}" type="datetimeFigureOut">
               <a:rPr lang="ru-RU" smtClean="0"/>
-              <a:t>22.12.2023</a:t>
+              <a:t>04.06.2024</a:t>
             </a:fld>
             <a:endParaRPr lang="ru-RU"/>
           </a:p>
@@ -2669,7 +2676,7 @@
           <a:p>
             <a:fld id="{C1755DC2-9895-4DF2-B144-0569F6FAE9C4}" type="datetimeFigureOut">
               <a:rPr lang="ru-RU" smtClean="0"/>
-              <a:t>22.12.2023</a:t>
+              <a:t>04.06.2024</a:t>
             </a:fld>
             <a:endParaRPr lang="ru-RU"/>
           </a:p>
@@ -2919,7 +2926,7 @@
           <a:p>
             <a:fld id="{C1755DC2-9895-4DF2-B144-0569F6FAE9C4}" type="datetimeFigureOut">
               <a:rPr lang="ru-RU" smtClean="0"/>
-              <a:t>22.12.2023</a:t>
+              <a:t>04.06.2024</a:t>
             </a:fld>
             <a:endParaRPr lang="ru-RU"/>
           </a:p>
@@ -3571,10 +3578,10 @@
       </p:sp>
       <p:pic>
         <p:nvPicPr>
-          <p:cNvPr id="3" name="Рисунок 2">
-            <a:extLst>
-              <a:ext uri="{FF2B5EF4-FFF2-40B4-BE49-F238E27FC236}">
-                <a16:creationId xmlns:a16="http://schemas.microsoft.com/office/drawing/2014/main" id="{DE6F1EB2-7849-44CD-AE3B-CB6EC55C65A1}"/>
+          <p:cNvPr id="7" name="Рисунок 6">
+            <a:extLst>
+              <a:ext uri="{FF2B5EF4-FFF2-40B4-BE49-F238E27FC236}">
+                <a16:creationId xmlns:a16="http://schemas.microsoft.com/office/drawing/2014/main" id="{4C41FE6F-7633-475D-9FF5-7B4805266699}"/>
               </a:ext>
             </a:extLst>
           </p:cNvPr>
@@ -3583,15 +3590,16 @@
           </p:cNvPicPr>
           <p:nvPr/>
         </p:nvPicPr>
-        <p:blipFill rotWithShape="1">
+        <p:blipFill>
           <a:blip r:embed="rId2"/>
-          <a:srcRect l="375"/>
-          <a:stretch/>
+          <a:stretch>
+            <a:fillRect/>
+          </a:stretch>
         </p:blipFill>
         <p:spPr>
           <a:xfrm>
-            <a:off x="812800" y="1318121"/>
-            <a:ext cx="10820400" cy="5183810"/>
+            <a:off x="842962" y="1075306"/>
+            <a:ext cx="10506075" cy="5022197"/>
           </a:xfrm>
           <a:prstGeom prst="rect">
             <a:avLst/>
@@ -3667,10 +3675,10 @@
       </p:sp>
       <p:pic>
         <p:nvPicPr>
-          <p:cNvPr id="7" name="Рисунок 6">
-            <a:extLst>
-              <a:ext uri="{FF2B5EF4-FFF2-40B4-BE49-F238E27FC236}">
-                <a16:creationId xmlns:a16="http://schemas.microsoft.com/office/drawing/2014/main" id="{4ACDAA44-41B5-448D-8C56-AEDFF5171B5E}"/>
+          <p:cNvPr id="3" name="Рисунок 2">
+            <a:extLst>
+              <a:ext uri="{FF2B5EF4-FFF2-40B4-BE49-F238E27FC236}">
+                <a16:creationId xmlns:a16="http://schemas.microsoft.com/office/drawing/2014/main" id="{743FE85B-F8BC-4B3E-B062-3375BE19247D}"/>
               </a:ext>
             </a:extLst>
           </p:cNvPr>
@@ -3679,15 +3687,16 @@
           </p:cNvPicPr>
           <p:nvPr/>
         </p:nvPicPr>
-        <p:blipFill rotWithShape="1">
+        <p:blipFill>
           <a:blip r:embed="rId2"/>
-          <a:srcRect l="279" r="-1"/>
-          <a:stretch/>
+          <a:stretch>
+            <a:fillRect/>
+          </a:stretch>
         </p:blipFill>
         <p:spPr>
           <a:xfrm>
-            <a:off x="635000" y="1265826"/>
-            <a:ext cx="10922000" cy="5236105"/>
+            <a:off x="718832" y="1024506"/>
+            <a:ext cx="10754336" cy="5123582"/>
           </a:xfrm>
           <a:prstGeom prst="rect">
             <a:avLst/>
@@ -3738,8 +3747,8 @@
         </p:nvSpPr>
         <p:spPr>
           <a:xfrm>
-            <a:off x="1884680" y="315429"/>
-            <a:ext cx="8422640" cy="830997"/>
+            <a:off x="1266190" y="134454"/>
+            <a:ext cx="9659620" cy="830997"/>
           </a:xfrm>
           <a:prstGeom prst="rect">
             <a:avLst/>
@@ -3756,17 +3765,17 @@
               <a:rPr lang="ru-RU" sz="4800" dirty="0">
                 <a:latin typeface="Montserrat (Основной текст)"/>
               </a:rPr>
-              <a:t>Форум с выбором топика</a:t>
+              <a:t>Формы регистрации и входа</a:t>
             </a:r>
           </a:p>
         </p:txBody>
       </p:sp>
       <p:pic>
         <p:nvPicPr>
-          <p:cNvPr id="7" name="Рисунок 6">
-            <a:extLst>
-              <a:ext uri="{FF2B5EF4-FFF2-40B4-BE49-F238E27FC236}">
-                <a16:creationId xmlns:a16="http://schemas.microsoft.com/office/drawing/2014/main" id="{CF930AA9-64EB-4BF9-A7FB-48F9978E7F0C}"/>
+          <p:cNvPr id="6" name="Рисунок 5">
+            <a:extLst>
+              <a:ext uri="{FF2B5EF4-FFF2-40B4-BE49-F238E27FC236}">
+                <a16:creationId xmlns:a16="http://schemas.microsoft.com/office/drawing/2014/main" id="{608116CE-AEFA-44FC-BC9C-B54CD2250D26}"/>
               </a:ext>
             </a:extLst>
           </p:cNvPr>
@@ -3775,21 +3784,68 @@
           </p:cNvPicPr>
           <p:nvPr/>
         </p:nvPicPr>
-        <p:blipFill rotWithShape="1">
+        <p:blipFill>
           <a:blip r:embed="rId2"/>
-          <a:srcRect t="337" b="1"/>
-          <a:stretch/>
+          <a:stretch>
+            <a:fillRect/>
+          </a:stretch>
         </p:blipFill>
         <p:spPr>
           <a:xfrm>
-            <a:off x="838200" y="1412239"/>
-            <a:ext cx="10515600" cy="5018571"/>
+            <a:off x="885825" y="1901776"/>
+            <a:ext cx="10420350" cy="2057018"/>
           </a:xfrm>
           <a:prstGeom prst="rect">
             <a:avLst/>
           </a:prstGeom>
         </p:spPr>
       </p:pic>
+      <p:sp>
+        <p:nvSpPr>
+          <p:cNvPr id="10" name="TextBox 9">
+            <a:extLst>
+              <a:ext uri="{FF2B5EF4-FFF2-40B4-BE49-F238E27FC236}">
+                <a16:creationId xmlns:a16="http://schemas.microsoft.com/office/drawing/2014/main" id="{97E427D9-5AF4-4957-A79F-B9C207DFB8E8}"/>
+              </a:ext>
+            </a:extLst>
+          </p:cNvPr>
+          <p:cNvSpPr txBox="1"/>
+          <p:nvPr/>
+        </p:nvSpPr>
+        <p:spPr>
+          <a:xfrm>
+            <a:off x="885825" y="4469381"/>
+            <a:ext cx="9659620" cy="1077218"/>
+          </a:xfrm>
+          <a:prstGeom prst="rect">
+            <a:avLst/>
+          </a:prstGeom>
+          <a:noFill/>
+        </p:spPr>
+        <p:txBody>
+          <a:bodyPr wrap="square" rtlCol="0">
+            <a:spAutoFit/>
+          </a:bodyPr>
+          <a:lstStyle/>
+          <a:p>
+            <a:r>
+              <a:rPr lang="ru-RU" sz="3200" dirty="0">
+                <a:latin typeface="Montserrat (Основной текст)"/>
+              </a:rPr>
+              <a:t>Все данные пользователей хранятся в зашифрованном виде в </a:t>
+            </a:r>
+            <a:r>
+              <a:rPr lang="en-US" sz="3200" dirty="0">
+                <a:latin typeface="Montserrat (Основной текст)"/>
+              </a:rPr>
+              <a:t>MongoDB</a:t>
+            </a:r>
+            <a:endParaRPr lang="ru-RU" sz="3200" dirty="0">
+              <a:latin typeface="Montserrat (Основной текст)"/>
+            </a:endParaRPr>
+          </a:p>
+        </p:txBody>
+      </p:sp>
     </p:spTree>
     <p:extLst>
       <p:ext uri="{BB962C8B-B14F-4D97-AF65-F5344CB8AC3E}">
@@ -3834,8 +3890,8 @@
         </p:nvSpPr>
         <p:spPr>
           <a:xfrm>
-            <a:off x="3327400" y="325589"/>
-            <a:ext cx="5537200" cy="830997"/>
+            <a:off x="1884680" y="182079"/>
+            <a:ext cx="8422640" cy="830997"/>
           </a:xfrm>
           <a:prstGeom prst="rect">
             <a:avLst/>
@@ -3852,17 +3908,17 @@
               <a:rPr lang="ru-RU" sz="4800" dirty="0">
                 <a:latin typeface="Montserrat (Основной текст)"/>
               </a:rPr>
-              <a:t>Личный кабинет</a:t>
+              <a:t>Форум с выбором топика</a:t>
             </a:r>
           </a:p>
         </p:txBody>
       </p:sp>
       <p:pic>
         <p:nvPicPr>
-          <p:cNvPr id="4" name="Рисунок 3">
-            <a:extLst>
-              <a:ext uri="{FF2B5EF4-FFF2-40B4-BE49-F238E27FC236}">
-                <a16:creationId xmlns:a16="http://schemas.microsoft.com/office/drawing/2014/main" id="{4315CE04-B979-4EC3-99BA-ACC7D24675B7}"/>
+          <p:cNvPr id="3" name="Рисунок 2">
+            <a:extLst>
+              <a:ext uri="{FF2B5EF4-FFF2-40B4-BE49-F238E27FC236}">
+                <a16:creationId xmlns:a16="http://schemas.microsoft.com/office/drawing/2014/main" id="{B0C38C32-D8FC-4307-8BDB-FF9923D11F18}"/>
               </a:ext>
             </a:extLst>
           </p:cNvPr>
@@ -3871,15 +3927,16 @@
           </p:cNvPicPr>
           <p:nvPr/>
         </p:nvPicPr>
-        <p:blipFill rotWithShape="1">
+        <p:blipFill>
           <a:blip r:embed="rId2"/>
-          <a:srcRect t="188"/>
-          <a:stretch/>
+          <a:stretch>
+            <a:fillRect/>
+          </a:stretch>
         </p:blipFill>
         <p:spPr>
           <a:xfrm>
-            <a:off x="751840" y="1320799"/>
-            <a:ext cx="10688320" cy="5108645"/>
+            <a:off x="699058" y="1013076"/>
+            <a:ext cx="10793884" cy="5186672"/>
           </a:xfrm>
           <a:prstGeom prst="rect">
             <a:avLst/>
@@ -3889,7 +3946,7 @@
     </p:spTree>
     <p:extLst>
       <p:ext uri="{BB962C8B-B14F-4D97-AF65-F5344CB8AC3E}">
-        <p14:creationId xmlns:p14="http://schemas.microsoft.com/office/powerpoint/2010/main" val="1511660288"/>
+        <p14:creationId xmlns:p14="http://schemas.microsoft.com/office/powerpoint/2010/main" val="2980340094"/>
       </p:ext>
     </p:extLst>
   </p:cSld>
@@ -3930,8 +3987,8 @@
         </p:nvSpPr>
         <p:spPr>
           <a:xfrm>
-            <a:off x="1727200" y="274789"/>
-            <a:ext cx="8737600" cy="830997"/>
+            <a:off x="2713989" y="182079"/>
+            <a:ext cx="6764020" cy="830997"/>
           </a:xfrm>
           <a:prstGeom prst="rect">
             <a:avLst/>
@@ -3948,7 +4005,7 @@
               <a:rPr lang="ru-RU" sz="4800" dirty="0">
                 <a:latin typeface="Montserrat (Основной текст)"/>
               </a:rPr>
-              <a:t>Режим для слабовидящих</a:t>
+              <a:t>Содержание топика</a:t>
             </a:r>
           </a:p>
         </p:txBody>
@@ -3958,7 +4015,7 @@
           <p:cNvPr id="4" name="Рисунок 3">
             <a:extLst>
               <a:ext uri="{FF2B5EF4-FFF2-40B4-BE49-F238E27FC236}">
-                <a16:creationId xmlns:a16="http://schemas.microsoft.com/office/drawing/2014/main" id="{DFF72B00-5C5B-45E9-A538-C9654C0DC08F}"/>
+                <a16:creationId xmlns:a16="http://schemas.microsoft.com/office/drawing/2014/main" id="{D6AF653C-AC20-4944-A46D-51D64EB6A669}"/>
               </a:ext>
             </a:extLst>
           </p:cNvPr>
@@ -3975,8 +4032,8 @@
         </p:blipFill>
         <p:spPr>
           <a:xfrm>
-            <a:off x="878840" y="1380798"/>
-            <a:ext cx="10434320" cy="4999546"/>
+            <a:off x="845343" y="1013076"/>
+            <a:ext cx="10501313" cy="5048818"/>
           </a:xfrm>
           <a:prstGeom prst="rect">
             <a:avLst/>
@@ -3986,7 +4043,7 @@
     </p:spTree>
     <p:extLst>
       <p:ext uri="{BB962C8B-B14F-4D97-AF65-F5344CB8AC3E}">
-        <p14:creationId xmlns:p14="http://schemas.microsoft.com/office/powerpoint/2010/main" val="3762535536"/>
+        <p14:creationId xmlns:p14="http://schemas.microsoft.com/office/powerpoint/2010/main" val="2173914879"/>
       </p:ext>
     </p:extLst>
   </p:cSld>
@@ -4027,6 +4084,200 @@
         </p:nvSpPr>
         <p:spPr>
           <a:xfrm>
+            <a:off x="3327400" y="325589"/>
+            <a:ext cx="5537200" cy="830997"/>
+          </a:xfrm>
+          <a:prstGeom prst="rect">
+            <a:avLst/>
+          </a:prstGeom>
+          <a:noFill/>
+        </p:spPr>
+        <p:txBody>
+          <a:bodyPr wrap="square" rtlCol="0">
+            <a:spAutoFit/>
+          </a:bodyPr>
+          <a:lstStyle/>
+          <a:p>
+            <a:r>
+              <a:rPr lang="ru-RU" sz="4800" dirty="0">
+                <a:latin typeface="Montserrat (Основной текст)"/>
+              </a:rPr>
+              <a:t>Личный кабинет</a:t>
+            </a:r>
+          </a:p>
+        </p:txBody>
+      </p:sp>
+      <p:pic>
+        <p:nvPicPr>
+          <p:cNvPr id="3" name="Рисунок 2">
+            <a:extLst>
+              <a:ext uri="{FF2B5EF4-FFF2-40B4-BE49-F238E27FC236}">
+                <a16:creationId xmlns:a16="http://schemas.microsoft.com/office/drawing/2014/main" id="{A5AADCDD-7AED-4EB4-AD40-DCBF86DA2C3B}"/>
+              </a:ext>
+            </a:extLst>
+          </p:cNvPr>
+          <p:cNvPicPr>
+            <a:picLocks noChangeAspect="1"/>
+          </p:cNvPicPr>
+          <p:nvPr/>
+        </p:nvPicPr>
+        <p:blipFill>
+          <a:blip r:embed="rId2"/>
+          <a:stretch>
+            <a:fillRect/>
+          </a:stretch>
+        </p:blipFill>
+        <p:spPr>
+          <a:xfrm>
+            <a:off x="714375" y="1086829"/>
+            <a:ext cx="10763250" cy="5110815"/>
+          </a:xfrm>
+          <a:prstGeom prst="rect">
+            <a:avLst/>
+          </a:prstGeom>
+        </p:spPr>
+      </p:pic>
+    </p:spTree>
+    <p:extLst>
+      <p:ext uri="{BB962C8B-B14F-4D97-AF65-F5344CB8AC3E}">
+        <p14:creationId xmlns:p14="http://schemas.microsoft.com/office/powerpoint/2010/main" val="1511660288"/>
+      </p:ext>
+    </p:extLst>
+  </p:cSld>
+  <p:clrMapOvr>
+    <a:masterClrMapping/>
+  </p:clrMapOvr>
+</p:sld>
+</file>
+
+<file path=ppt/slides/slide8.xml><?xml version="1.0" encoding="utf-8"?>
+<p:sld xmlns:a="http://schemas.openxmlformats.org/drawingml/2006/main" xmlns:r="http://schemas.openxmlformats.org/officeDocument/2006/relationships" xmlns:p="http://schemas.openxmlformats.org/presentationml/2006/main">
+  <p:cSld>
+    <p:spTree>
+      <p:nvGrpSpPr>
+        <p:cNvPr id="1" name=""/>
+        <p:cNvGrpSpPr/>
+        <p:nvPr/>
+      </p:nvGrpSpPr>
+      <p:grpSpPr>
+        <a:xfrm>
+          <a:off x="0" y="0"/>
+          <a:ext cx="0" cy="0"/>
+          <a:chOff x="0" y="0"/>
+          <a:chExt cx="0" cy="0"/>
+        </a:xfrm>
+      </p:grpSpPr>
+      <p:sp>
+        <p:nvSpPr>
+          <p:cNvPr id="5" name="TextBox 4">
+            <a:extLst>
+              <a:ext uri="{FF2B5EF4-FFF2-40B4-BE49-F238E27FC236}">
+                <a16:creationId xmlns:a16="http://schemas.microsoft.com/office/drawing/2014/main" id="{22D5C9AB-1914-44B3-B14F-111D135CACF4}"/>
+              </a:ext>
+            </a:extLst>
+          </p:cNvPr>
+          <p:cNvSpPr txBox="1"/>
+          <p:nvPr/>
+        </p:nvSpPr>
+        <p:spPr>
+          <a:xfrm>
+            <a:off x="1727200" y="274789"/>
+            <a:ext cx="8737600" cy="830997"/>
+          </a:xfrm>
+          <a:prstGeom prst="rect">
+            <a:avLst/>
+          </a:prstGeom>
+          <a:noFill/>
+        </p:spPr>
+        <p:txBody>
+          <a:bodyPr wrap="square" rtlCol="0">
+            <a:spAutoFit/>
+          </a:bodyPr>
+          <a:lstStyle/>
+          <a:p>
+            <a:r>
+              <a:rPr lang="ru-RU" sz="4800" dirty="0">
+                <a:latin typeface="Montserrat (Основной текст)"/>
+              </a:rPr>
+              <a:t>Режим для слабовидящих</a:t>
+            </a:r>
+          </a:p>
+        </p:txBody>
+      </p:sp>
+      <p:pic>
+        <p:nvPicPr>
+          <p:cNvPr id="3" name="Рисунок 2">
+            <a:extLst>
+              <a:ext uri="{FF2B5EF4-FFF2-40B4-BE49-F238E27FC236}">
+                <a16:creationId xmlns:a16="http://schemas.microsoft.com/office/drawing/2014/main" id="{70970FFE-33B3-4C51-803E-714E37486780}"/>
+              </a:ext>
+            </a:extLst>
+          </p:cNvPr>
+          <p:cNvPicPr>
+            <a:picLocks noChangeAspect="1"/>
+          </p:cNvPicPr>
+          <p:nvPr/>
+        </p:nvPicPr>
+        <p:blipFill>
+          <a:blip r:embed="rId2"/>
+          <a:stretch>
+            <a:fillRect/>
+          </a:stretch>
+        </p:blipFill>
+        <p:spPr>
+          <a:xfrm>
+            <a:off x="534866" y="1105786"/>
+            <a:ext cx="11122268" cy="5353607"/>
+          </a:xfrm>
+          <a:prstGeom prst="rect">
+            <a:avLst/>
+          </a:prstGeom>
+        </p:spPr>
+      </p:pic>
+    </p:spTree>
+    <p:extLst>
+      <p:ext uri="{BB962C8B-B14F-4D97-AF65-F5344CB8AC3E}">
+        <p14:creationId xmlns:p14="http://schemas.microsoft.com/office/powerpoint/2010/main" val="3762535536"/>
+      </p:ext>
+    </p:extLst>
+  </p:cSld>
+  <p:clrMapOvr>
+    <a:masterClrMapping/>
+  </p:clrMapOvr>
+</p:sld>
+</file>
+
+<file path=ppt/slides/slide9.xml><?xml version="1.0" encoding="utf-8"?>
+<p:sld xmlns:a="http://schemas.openxmlformats.org/drawingml/2006/main" xmlns:r="http://schemas.openxmlformats.org/officeDocument/2006/relationships" xmlns:p="http://schemas.openxmlformats.org/presentationml/2006/main">
+  <p:cSld>
+    <p:spTree>
+      <p:nvGrpSpPr>
+        <p:cNvPr id="1" name=""/>
+        <p:cNvGrpSpPr/>
+        <p:nvPr/>
+      </p:nvGrpSpPr>
+      <p:grpSpPr>
+        <a:xfrm>
+          <a:off x="0" y="0"/>
+          <a:ext cx="0" cy="0"/>
+          <a:chOff x="0" y="0"/>
+          <a:chExt cx="0" cy="0"/>
+        </a:xfrm>
+      </p:grpSpPr>
+      <p:sp>
+        <p:nvSpPr>
+          <p:cNvPr id="5" name="TextBox 4">
+            <a:extLst>
+              <a:ext uri="{FF2B5EF4-FFF2-40B4-BE49-F238E27FC236}">
+                <a16:creationId xmlns:a16="http://schemas.microsoft.com/office/drawing/2014/main" id="{22D5C9AB-1914-44B3-B14F-111D135CACF4}"/>
+              </a:ext>
+            </a:extLst>
+          </p:cNvPr>
+          <p:cNvSpPr txBox="1"/>
+          <p:nvPr/>
+        </p:nvSpPr>
+        <p:spPr>
+          <a:xfrm>
             <a:off x="487680" y="650709"/>
             <a:ext cx="9174480" cy="830997"/>
           </a:xfrm>
@@ -4118,7 +4369,7 @@
         <p:spPr>
           <a:xfrm>
             <a:off x="487680" y="1648830"/>
-            <a:ext cx="9174480" cy="2554545"/>
+            <a:ext cx="9174480" cy="2862322"/>
           </a:xfrm>
           <a:prstGeom prst="rect">
             <a:avLst/>
@@ -4136,7 +4387,7 @@
               <a:buChar char="•"/>
             </a:pPr>
             <a:r>
-              <a:rPr lang="en-US" sz="4000" dirty="0">
+              <a:rPr lang="en-US" sz="3600" dirty="0">
                 <a:latin typeface="Montserrat (Основной текст)"/>
               </a:rPr>
               <a:t>HTML, CSS</a:t>
@@ -4148,7 +4399,7 @@
               <a:buChar char="•"/>
             </a:pPr>
             <a:r>
-              <a:rPr lang="en-US" sz="4000" dirty="0">
+              <a:rPr lang="en-US" sz="3600" dirty="0">
                 <a:latin typeface="Montserrat (Основной текст)"/>
               </a:rPr>
               <a:t>JS</a:t>
@@ -4160,7 +4411,7 @@
               <a:buChar char="•"/>
             </a:pPr>
             <a:r>
-              <a:rPr lang="en-US" sz="4000" dirty="0">
+              <a:rPr lang="en-US" sz="3600" dirty="0">
                 <a:latin typeface="Montserrat (Основной текст)"/>
               </a:rPr>
               <a:t>Express.js </a:t>
@@ -4172,14 +4423,44 @@
               <a:buChar char="•"/>
             </a:pPr>
             <a:r>
-              <a:rPr lang="en-US" sz="4000" dirty="0">
+              <a:rPr lang="en-US" sz="3600" dirty="0">
                 <a:latin typeface="Montserrat (Основной текст)"/>
               </a:rPr>
               <a:t>MongoDB</a:t>
             </a:r>
-            <a:endParaRPr lang="ru-RU" sz="4000" dirty="0">
+            <a:endParaRPr lang="ru-RU" sz="3600" dirty="0">
               <a:latin typeface="Montserrat (Основной текст)"/>
             </a:endParaRPr>
+          </a:p>
+          <a:p>
+            <a:pPr marL="571500" indent="-571500">
+              <a:buFont typeface="Arial" panose="020B0604020202020204" pitchFamily="34" charset="0"/>
+              <a:buChar char="•"/>
+            </a:pPr>
+            <a:r>
+              <a:rPr lang="en-US" sz="3600" dirty="0">
+                <a:latin typeface="Montserrat (Основной текст)"/>
+              </a:rPr>
+              <a:t>Jsonwebtoken</a:t>
+            </a:r>
+            <a:r>
+              <a:rPr lang="ru-RU" sz="3600" dirty="0">
+                <a:latin typeface="Montserrat (Основной текст)"/>
+              </a:rPr>
+              <a:t> и </a:t>
+            </a:r>
+            <a:r>
+              <a:rPr lang="en-US" sz="3600" dirty="0">
+                <a:latin typeface="Montserrat (Основной текст)"/>
+              </a:rPr>
+              <a:t>bcrypt</a:t>
+            </a:r>
+            <a:r>
+              <a:rPr lang="ru-RU" sz="3600" dirty="0">
+                <a:latin typeface="Montserrat (Основной текст)"/>
+              </a:rPr>
+              <a:t> </a:t>
+            </a:r>
           </a:p>
         </p:txBody>
       </p:sp>
